--- a/cours/Qualité dev Android - 1 - Bases de Kotlin.pptx
+++ b/cours/Qualité dev Android - 1 - Bases de Kotlin.pptx
@@ -310,7 +310,7 @@
           <a:p>
             <a:fld id="{8F75AC23-3AB5-584B-96B1-F006C3055FC7}" type="datetimeFigureOut">
               <a:rPr lang="fr-FR" smtClean="0"/>
-              <a:t>10/12/2023</a:t>
+              <a:t>14/12/2024</a:t>
             </a:fld>
             <a:endParaRPr lang="fr-FR"/>
           </a:p>
@@ -719,7 +719,7 @@
           <a:p>
             <a:r>
               <a:rPr lang="fr-FR" dirty="0"/>
-              <a:t> </a:t>
+              <a:t>Type de variable de bases qui permettent de définir les autres objets</a:t>
             </a:r>
           </a:p>
         </p:txBody>
@@ -741,7 +741,7 @@
           <a:p>
             <a:fld id="{2489983D-DF30-FA43-9CF5-D8CEEBE800FD}" type="slidenum">
               <a:rPr lang="fr-FR" smtClean="0"/>
-              <a:t>17</a:t>
+              <a:t>16</a:t>
             </a:fld>
             <a:endParaRPr lang="fr-FR"/>
           </a:p>
@@ -750,7 +750,7 @@
     </p:spTree>
     <p:extLst>
       <p:ext uri="{BB962C8B-B14F-4D97-AF65-F5344CB8AC3E}">
-        <p14:creationId xmlns:p14="http://schemas.microsoft.com/office/powerpoint/2010/main" val="2491093130"/>
+        <p14:creationId xmlns:p14="http://schemas.microsoft.com/office/powerpoint/2010/main" val="2979158628"/>
       </p:ext>
     </p:extLst>
   </p:cSld>
@@ -806,7 +806,7 @@
           <a:p>
             <a:r>
               <a:rPr lang="fr-FR" dirty="0"/>
-              <a:t>Scénario : je veux faire un programme où j’additionne les heures de cours au fil de la journée, 4h le matin, 4h le soir.</a:t>
+              <a:t> </a:t>
             </a:r>
           </a:p>
         </p:txBody>
@@ -828,7 +828,7 @@
           <a:p>
             <a:fld id="{2489983D-DF30-FA43-9CF5-D8CEEBE800FD}" type="slidenum">
               <a:rPr lang="fr-FR" smtClean="0"/>
-              <a:t>21</a:t>
+              <a:t>17</a:t>
             </a:fld>
             <a:endParaRPr lang="fr-FR"/>
           </a:p>
@@ -837,7 +837,7 @@
     </p:spTree>
     <p:extLst>
       <p:ext uri="{BB962C8B-B14F-4D97-AF65-F5344CB8AC3E}">
-        <p14:creationId xmlns:p14="http://schemas.microsoft.com/office/powerpoint/2010/main" val="713524403"/>
+        <p14:creationId xmlns:p14="http://schemas.microsoft.com/office/powerpoint/2010/main" val="2491093130"/>
       </p:ext>
     </p:extLst>
   </p:cSld>
@@ -893,7 +893,7 @@
           <a:p>
             <a:r>
               <a:rPr lang="fr-FR" dirty="0"/>
-              <a:t>Val pour meilleure compréhension du code, meilleure optimisation du compilateur.</a:t>
+              <a:t>Scénario : je veux faire un programme où j’additionne les heures de cours au fil de la journée, 4h le matin, 4h le soir.</a:t>
             </a:r>
           </a:p>
         </p:txBody>
@@ -915,7 +915,7 @@
           <a:p>
             <a:fld id="{2489983D-DF30-FA43-9CF5-D8CEEBE800FD}" type="slidenum">
               <a:rPr lang="fr-FR" smtClean="0"/>
-              <a:t>22</a:t>
+              <a:t>21</a:t>
             </a:fld>
             <a:endParaRPr lang="fr-FR"/>
           </a:p>
@@ -924,7 +924,7 @@
     </p:spTree>
     <p:extLst>
       <p:ext uri="{BB962C8B-B14F-4D97-AF65-F5344CB8AC3E}">
-        <p14:creationId xmlns:p14="http://schemas.microsoft.com/office/powerpoint/2010/main" val="2297586761"/>
+        <p14:creationId xmlns:p14="http://schemas.microsoft.com/office/powerpoint/2010/main" val="713524403"/>
       </p:ext>
     </p:extLst>
   </p:cSld>
@@ -978,7 +978,10 @@
           <a:bodyPr/>
           <a:lstStyle/>
           <a:p>
-            <a:endParaRPr lang="fr-FR" dirty="0"/>
+            <a:r>
+              <a:rPr lang="fr-FR" dirty="0"/>
+              <a:t>Val pour meilleure compréhension du code, meilleure optimisation du compilateur.</a:t>
+            </a:r>
           </a:p>
         </p:txBody>
       </p:sp>
@@ -999,7 +1002,7 @@
           <a:p>
             <a:fld id="{2489983D-DF30-FA43-9CF5-D8CEEBE800FD}" type="slidenum">
               <a:rPr lang="fr-FR" smtClean="0"/>
-              <a:t>23</a:t>
+              <a:t>22</a:t>
             </a:fld>
             <a:endParaRPr lang="fr-FR"/>
           </a:p>
@@ -1008,7 +1011,7 @@
     </p:spTree>
     <p:extLst>
       <p:ext uri="{BB962C8B-B14F-4D97-AF65-F5344CB8AC3E}">
-        <p14:creationId xmlns:p14="http://schemas.microsoft.com/office/powerpoint/2010/main" val="194286960"/>
+        <p14:creationId xmlns:p14="http://schemas.microsoft.com/office/powerpoint/2010/main" val="2297586761"/>
       </p:ext>
     </p:extLst>
   </p:cSld>
@@ -1062,10 +1065,7 @@
           <a:bodyPr/>
           <a:lstStyle/>
           <a:p>
-            <a:r>
-              <a:rPr lang="fr-FR" dirty="0"/>
-              <a:t>Bonnes pratique de commenter les parties de code qui ne sont pas simples à comprendre du premier coup</a:t>
-            </a:r>
+            <a:endParaRPr lang="fr-FR" dirty="0"/>
           </a:p>
         </p:txBody>
       </p:sp>
@@ -1086,7 +1086,7 @@
           <a:p>
             <a:fld id="{2489983D-DF30-FA43-9CF5-D8CEEBE800FD}" type="slidenum">
               <a:rPr lang="fr-FR" smtClean="0"/>
-              <a:t>25</a:t>
+              <a:t>23</a:t>
             </a:fld>
             <a:endParaRPr lang="fr-FR"/>
           </a:p>
@@ -1095,7 +1095,7 @@
     </p:spTree>
     <p:extLst>
       <p:ext uri="{BB962C8B-B14F-4D97-AF65-F5344CB8AC3E}">
-        <p14:creationId xmlns:p14="http://schemas.microsoft.com/office/powerpoint/2010/main" val="135018650"/>
+        <p14:creationId xmlns:p14="http://schemas.microsoft.com/office/powerpoint/2010/main" val="194286960"/>
       </p:ext>
     </p:extLst>
   </p:cSld>
@@ -1149,7 +1149,10 @@
           <a:bodyPr/>
           <a:lstStyle/>
           <a:p>
-            <a:endParaRPr lang="fr-FR" dirty="0"/>
+            <a:r>
+              <a:rPr lang="fr-FR" dirty="0"/>
+              <a:t>Bonnes pratique de commenter les parties de code qui ne sont pas simples à comprendre du premier coup</a:t>
+            </a:r>
           </a:p>
         </p:txBody>
       </p:sp>
@@ -1170,7 +1173,7 @@
           <a:p>
             <a:fld id="{2489983D-DF30-FA43-9CF5-D8CEEBE800FD}" type="slidenum">
               <a:rPr lang="fr-FR" smtClean="0"/>
-              <a:t>26</a:t>
+              <a:t>25</a:t>
             </a:fld>
             <a:endParaRPr lang="fr-FR"/>
           </a:p>
@@ -1179,7 +1182,7 @@
     </p:spTree>
     <p:extLst>
       <p:ext uri="{BB962C8B-B14F-4D97-AF65-F5344CB8AC3E}">
-        <p14:creationId xmlns:p14="http://schemas.microsoft.com/office/powerpoint/2010/main" val="1543725430"/>
+        <p14:creationId xmlns:p14="http://schemas.microsoft.com/office/powerpoint/2010/main" val="135018650"/>
       </p:ext>
     </p:extLst>
   </p:cSld>
@@ -1233,6 +1236,90 @@
           <a:bodyPr/>
           <a:lstStyle/>
           <a:p>
+            <a:endParaRPr lang="fr-FR" dirty="0"/>
+          </a:p>
+        </p:txBody>
+      </p:sp>
+      <p:sp>
+        <p:nvSpPr>
+          <p:cNvPr id="4" name="Espace réservé du numéro de diapositive 3"/>
+          <p:cNvSpPr>
+            <a:spLocks noGrp="1"/>
+          </p:cNvSpPr>
+          <p:nvPr>
+            <p:ph type="sldNum" sz="quarter" idx="5"/>
+          </p:nvPr>
+        </p:nvSpPr>
+        <p:spPr/>
+        <p:txBody>
+          <a:bodyPr/>
+          <a:lstStyle/>
+          <a:p>
+            <a:fld id="{2489983D-DF30-FA43-9CF5-D8CEEBE800FD}" type="slidenum">
+              <a:rPr lang="fr-FR" smtClean="0"/>
+              <a:t>26</a:t>
+            </a:fld>
+            <a:endParaRPr lang="fr-FR"/>
+          </a:p>
+        </p:txBody>
+      </p:sp>
+    </p:spTree>
+    <p:extLst>
+      <p:ext uri="{BB962C8B-B14F-4D97-AF65-F5344CB8AC3E}">
+        <p14:creationId xmlns:p14="http://schemas.microsoft.com/office/powerpoint/2010/main" val="1543725430"/>
+      </p:ext>
+    </p:extLst>
+  </p:cSld>
+  <p:clrMapOvr>
+    <a:masterClrMapping/>
+  </p:clrMapOvr>
+</p:notes>
+</file>
+
+<file path=ppt/notesSlides/notesSlide17.xml><?xml version="1.0" encoding="utf-8"?>
+<p:notes xmlns:a="http://schemas.openxmlformats.org/drawingml/2006/main" xmlns:r="http://schemas.openxmlformats.org/officeDocument/2006/relationships" xmlns:p="http://schemas.openxmlformats.org/presentationml/2006/main">
+  <p:cSld>
+    <p:spTree>
+      <p:nvGrpSpPr>
+        <p:cNvPr id="1" name=""/>
+        <p:cNvGrpSpPr/>
+        <p:nvPr/>
+      </p:nvGrpSpPr>
+      <p:grpSpPr>
+        <a:xfrm>
+          <a:off x="0" y="0"/>
+          <a:ext cx="0" cy="0"/>
+          <a:chOff x="0" y="0"/>
+          <a:chExt cx="0" cy="0"/>
+        </a:xfrm>
+      </p:grpSpPr>
+      <p:sp>
+        <p:nvSpPr>
+          <p:cNvPr id="2" name="Espace réservé de l'image des diapositives 1"/>
+          <p:cNvSpPr>
+            <a:spLocks noGrp="1" noRot="1" noChangeAspect="1"/>
+          </p:cNvSpPr>
+          <p:nvPr>
+            <p:ph type="sldImg"/>
+          </p:nvPr>
+        </p:nvSpPr>
+        <p:spPr/>
+      </p:sp>
+      <p:sp>
+        <p:nvSpPr>
+          <p:cNvPr id="3" name="Espace réservé des notes 2"/>
+          <p:cNvSpPr>
+            <a:spLocks noGrp="1"/>
+          </p:cNvSpPr>
+          <p:nvPr>
+            <p:ph type="body" idx="1"/>
+          </p:nvPr>
+        </p:nvSpPr>
+        <p:spPr/>
+        <p:txBody>
+          <a:bodyPr/>
+          <a:lstStyle/>
+          <a:p>
             <a:r>
               <a:rPr lang="fr-FR" dirty="0"/>
               <a:t>Est-ce que ce code marche ?</a:t>
@@ -1282,7 +1369,7 @@
 </p:notes>
 </file>
 
-<file path=ppt/notesSlides/notesSlide17.xml><?xml version="1.0" encoding="utf-8"?>
+<file path=ppt/notesSlides/notesSlide18.xml><?xml version="1.0" encoding="utf-8"?>
 <p:notes xmlns:a="http://schemas.openxmlformats.org/drawingml/2006/main" xmlns:r="http://schemas.openxmlformats.org/officeDocument/2006/relationships" xmlns:p="http://schemas.openxmlformats.org/presentationml/2006/main">
   <p:cSld>
     <p:spTree>
@@ -2114,10 +2201,7 @@
           <a:bodyPr/>
           <a:lstStyle/>
           <a:p>
-            <a:r>
-              <a:rPr lang="fr-FR" dirty="0"/>
-              <a:t>Type de variable de bases qui permettent de définir les autres objets</a:t>
-            </a:r>
+            <a:endParaRPr lang="fr-FR" dirty="0"/>
           </a:p>
         </p:txBody>
       </p:sp>
@@ -2138,7 +2222,7 @@
           <a:p>
             <a:fld id="{2489983D-DF30-FA43-9CF5-D8CEEBE800FD}" type="slidenum">
               <a:rPr lang="fr-FR" smtClean="0"/>
-              <a:t>16</a:t>
+              <a:t>15</a:t>
             </a:fld>
             <a:endParaRPr lang="fr-FR"/>
           </a:p>
@@ -2147,7 +2231,7 @@
     </p:spTree>
     <p:extLst>
       <p:ext uri="{BB962C8B-B14F-4D97-AF65-F5344CB8AC3E}">
-        <p14:creationId xmlns:p14="http://schemas.microsoft.com/office/powerpoint/2010/main" val="2979158628"/>
+        <p14:creationId xmlns:p14="http://schemas.microsoft.com/office/powerpoint/2010/main" val="1858995238"/>
       </p:ext>
     </p:extLst>
   </p:cSld>
@@ -2252,7 +2336,7 @@
           <a:effectLst/>
           <a:extLst>
             <a:ext uri="{91240B29-F687-4f45-9708-019B960494DF}">
-              <a14:hiddenLine xmlns="" xmlns:a14="http://schemas.microsoft.com/office/drawing/2010/main" w="9525">
+              <a14:hiddenLine xmlns:a14="http://schemas.microsoft.com/office/drawing/2010/main" xmlns="" w="9525">
                 <a:solidFill>
                   <a:srgbClr val="000000"/>
                 </a:solidFill>
@@ -2444,7 +2528,7 @@
           <a:p>
             <a:fld id="{FEDF020D-7B02-2A49-8A27-FB4284132C4F}" type="datetimeFigureOut">
               <a:rPr lang="fr-FR" smtClean="0"/>
-              <a:t>10/12/2023</a:t>
+              <a:t>14/12/2024</a:t>
             </a:fld>
             <a:endParaRPr lang="fr-FR"/>
           </a:p>
@@ -2762,7 +2846,7 @@
           <a:p>
             <a:fld id="{FEDF020D-7B02-2A49-8A27-FB4284132C4F}" type="datetimeFigureOut">
               <a:rPr lang="fr-FR" smtClean="0"/>
-              <a:t>10/12/2023</a:t>
+              <a:t>14/12/2024</a:t>
             </a:fld>
             <a:endParaRPr lang="fr-FR"/>
           </a:p>
@@ -3250,7 +3334,7 @@
           <a:p>
             <a:fld id="{FEDF020D-7B02-2A49-8A27-FB4284132C4F}" type="datetimeFigureOut">
               <a:rPr lang="fr-FR" smtClean="0"/>
-              <a:t>10/12/2023</a:t>
+              <a:t>14/12/2024</a:t>
             </a:fld>
             <a:endParaRPr lang="fr-FR"/>
           </a:p>
@@ -3619,7 +3703,7 @@
           <a:p>
             <a:fld id="{FEDF020D-7B02-2A49-8A27-FB4284132C4F}" type="datetimeFigureOut">
               <a:rPr lang="fr-FR" smtClean="0"/>
-              <a:t>10/12/2023</a:t>
+              <a:t>14/12/2024</a:t>
             </a:fld>
             <a:endParaRPr lang="fr-FR"/>
           </a:p>
@@ -3774,7 +3858,7 @@
           <a:ln/>
           <a:extLst>
             <a:ext uri="{91240B29-F687-4f45-9708-019B960494DF}">
-              <a14:hiddenLine xmlns="" xmlns:a14="http://schemas.microsoft.com/office/drawing/2010/main" w="9525">
+              <a14:hiddenLine xmlns:a14="http://schemas.microsoft.com/office/drawing/2010/main" xmlns="" w="9525">
                 <a:solidFill>
                   <a:srgbClr val="000000"/>
                 </a:solidFill>
@@ -3892,7 +3976,7 @@
           <a:p>
             <a:fld id="{FEDF020D-7B02-2A49-8A27-FB4284132C4F}" type="datetimeFigureOut">
               <a:rPr lang="fr-FR" smtClean="0"/>
-              <a:t>10/12/2023</a:t>
+              <a:t>14/12/2024</a:t>
             </a:fld>
             <a:endParaRPr lang="fr-FR"/>
           </a:p>
@@ -4049,7 +4133,7 @@
           <a:ln/>
           <a:extLst>
             <a:ext uri="{91240B29-F687-4f45-9708-019B960494DF}">
-              <a14:hiddenLine xmlns="" xmlns:a14="http://schemas.microsoft.com/office/drawing/2010/main" w="9525">
+              <a14:hiddenLine xmlns:a14="http://schemas.microsoft.com/office/drawing/2010/main" xmlns="" w="9525">
                 <a:solidFill>
                   <a:srgbClr val="000000"/>
                 </a:solidFill>
@@ -4177,7 +4261,7 @@
           <a:p>
             <a:fld id="{FEDF020D-7B02-2A49-8A27-FB4284132C4F}" type="datetimeFigureOut">
               <a:rPr lang="fr-FR" smtClean="0"/>
-              <a:t>10/12/2023</a:t>
+              <a:t>14/12/2024</a:t>
             </a:fld>
             <a:endParaRPr lang="fr-FR"/>
           </a:p>
@@ -4332,7 +4416,7 @@
           <a:ln/>
           <a:extLst>
             <a:ext uri="{91240B29-F687-4f45-9708-019B960494DF}">
-              <a14:hiddenLine xmlns="" xmlns:a14="http://schemas.microsoft.com/office/drawing/2010/main" w="9525">
+              <a14:hiddenLine xmlns:a14="http://schemas.microsoft.com/office/drawing/2010/main" xmlns="" w="9525">
                 <a:solidFill>
                   <a:srgbClr val="000000"/>
                 </a:solidFill>
@@ -4460,7 +4544,7 @@
           <a:p>
             <a:fld id="{FEDF020D-7B02-2A49-8A27-FB4284132C4F}" type="datetimeFigureOut">
               <a:rPr lang="fr-FR" smtClean="0"/>
-              <a:t>10/12/2023</a:t>
+              <a:t>14/12/2024</a:t>
             </a:fld>
             <a:endParaRPr lang="fr-FR"/>
           </a:p>
@@ -4803,7 +4887,7 @@
           <a:p>
             <a:fld id="{FEDF020D-7B02-2A49-8A27-FB4284132C4F}" type="datetimeFigureOut">
               <a:rPr lang="fr-FR" smtClean="0"/>
-              <a:t>10/12/2023</a:t>
+              <a:t>14/12/2024</a:t>
             </a:fld>
             <a:endParaRPr lang="fr-FR"/>
           </a:p>
@@ -4958,7 +5042,7 @@
           <a:ln/>
           <a:extLst>
             <a:ext uri="{91240B29-F687-4f45-9708-019B960494DF}">
-              <a14:hiddenLine xmlns="" xmlns:a14="http://schemas.microsoft.com/office/drawing/2010/main" w="9525">
+              <a14:hiddenLine xmlns:a14="http://schemas.microsoft.com/office/drawing/2010/main" xmlns="" w="9525">
                 <a:solidFill>
                   <a:srgbClr val="000000"/>
                 </a:solidFill>
@@ -5142,7 +5226,7 @@
           <a:p>
             <a:fld id="{FEDF020D-7B02-2A49-8A27-FB4284132C4F}" type="datetimeFigureOut">
               <a:rPr lang="fr-FR" smtClean="0"/>
-              <a:t>10/12/2023</a:t>
+              <a:t>14/12/2024</a:t>
             </a:fld>
             <a:endParaRPr lang="fr-FR"/>
           </a:p>
@@ -5297,7 +5381,7 @@
           <a:ln/>
           <a:extLst>
             <a:ext uri="{91240B29-F687-4f45-9708-019B960494DF}">
-              <a14:hiddenLine xmlns="" xmlns:a14="http://schemas.microsoft.com/office/drawing/2010/main" w="9525">
+              <a14:hiddenLine xmlns:a14="http://schemas.microsoft.com/office/drawing/2010/main" xmlns="" w="9525">
                 <a:solidFill>
                   <a:srgbClr val="000000"/>
                 </a:solidFill>
@@ -5619,7 +5703,7 @@
           <a:p>
             <a:fld id="{FEDF020D-7B02-2A49-8A27-FB4284132C4F}" type="datetimeFigureOut">
               <a:rPr lang="fr-FR" smtClean="0"/>
-              <a:t>10/12/2023</a:t>
+              <a:t>14/12/2024</a:t>
             </a:fld>
             <a:endParaRPr lang="fr-FR"/>
           </a:p>
@@ -5774,7 +5858,7 @@
           <a:ln/>
           <a:extLst>
             <a:ext uri="{91240B29-F687-4f45-9708-019B960494DF}">
-              <a14:hiddenLine xmlns="" xmlns:a14="http://schemas.microsoft.com/office/drawing/2010/main" w="9525">
+              <a14:hiddenLine xmlns:a14="http://schemas.microsoft.com/office/drawing/2010/main" xmlns="" w="9525">
                 <a:solidFill>
                   <a:srgbClr val="000000"/>
                 </a:solidFill>
@@ -5840,7 +5924,7 @@
           <a:p>
             <a:fld id="{FEDF020D-7B02-2A49-8A27-FB4284132C4F}" type="datetimeFigureOut">
               <a:rPr lang="fr-FR" smtClean="0"/>
-              <a:t>10/12/2023</a:t>
+              <a:t>14/12/2024</a:t>
             </a:fld>
             <a:endParaRPr lang="fr-FR"/>
           </a:p>
@@ -5935,7 +6019,7 @@
           <a:p>
             <a:fld id="{FEDF020D-7B02-2A49-8A27-FB4284132C4F}" type="datetimeFigureOut">
               <a:rPr lang="fr-FR" smtClean="0"/>
-              <a:t>10/12/2023</a:t>
+              <a:t>14/12/2024</a:t>
             </a:fld>
             <a:endParaRPr lang="fr-FR"/>
           </a:p>
@@ -6203,7 +6287,7 @@
           <a:ln/>
           <a:extLst>
             <a:ext uri="{91240B29-F687-4f45-9708-019B960494DF}">
-              <a14:hiddenLine xmlns="" xmlns:a14="http://schemas.microsoft.com/office/drawing/2010/main" w="9525">
+              <a14:hiddenLine xmlns:a14="http://schemas.microsoft.com/office/drawing/2010/main" xmlns="" w="9525">
                 <a:solidFill>
                   <a:srgbClr val="000000"/>
                 </a:solidFill>
@@ -6402,7 +6486,7 @@
           <a:p>
             <a:fld id="{FEDF020D-7B02-2A49-8A27-FB4284132C4F}" type="datetimeFigureOut">
               <a:rPr lang="fr-FR" smtClean="0"/>
-              <a:t>10/12/2023</a:t>
+              <a:t>14/12/2024</a:t>
             </a:fld>
             <a:endParaRPr lang="fr-FR"/>
           </a:p>
@@ -6715,7 +6799,7 @@
           <a:p>
             <a:fld id="{FEDF020D-7B02-2A49-8A27-FB4284132C4F}" type="datetimeFigureOut">
               <a:rPr lang="fr-FR" smtClean="0"/>
-              <a:t>10/12/2023</a:t>
+              <a:t>14/12/2024</a:t>
             </a:fld>
             <a:endParaRPr lang="fr-FR"/>
           </a:p>
@@ -6985,7 +7069,7 @@
           <a:p>
             <a:fld id="{FEDF020D-7B02-2A49-8A27-FB4284132C4F}" type="datetimeFigureOut">
               <a:rPr lang="fr-FR" smtClean="0"/>
-              <a:t>10/12/2023</a:t>
+              <a:t>14/12/2024</a:t>
             </a:fld>
             <a:endParaRPr lang="fr-FR"/>
           </a:p>
@@ -8443,7 +8527,7 @@
   </p:clrMapOvr>
   <p:extLst>
     <p:ext uri="{6950BFC3-D8DA-4A85-94F7-54DA5524770B}">
-      <p188:commentRel xmlns:p188="http://schemas.microsoft.com/office/powerpoint/2018/8/main" r:id="rId2"/>
+      <p188:commentRel xmlns:p188="http://schemas.microsoft.com/office/powerpoint/2018/8/main" r:id="rId3"/>
     </p:ext>
   </p:extLst>
 </p:sld>
@@ -8878,11 +8962,11 @@
             </a:r>
             <a:r>
               <a:rPr lang="fr-FR" dirty="0" err="1"/>
-              <a:t>camel</a:t>
+              <a:t>camelCase</a:t>
             </a:r>
             <a:r>
               <a:rPr lang="fr-FR" dirty="0"/>
-              <a:t> case et commencer par une minuscule. Pas d’espace.</a:t>
+              <a:t> et commencer par une minuscule. Pas d’espace.</a:t>
             </a:r>
           </a:p>
           <a:p>
@@ -9150,7 +9234,7 @@
         </p:blipFill>
         <p:spPr>
           <a:xfrm>
-            <a:off x="3917950" y="2407444"/>
+            <a:off x="2890520" y="2117620"/>
             <a:ext cx="4356100" cy="787400"/>
           </a:xfrm>
           <a:prstGeom prst="rect">
@@ -9180,7 +9264,7 @@
         </p:blipFill>
         <p:spPr>
           <a:xfrm>
-            <a:off x="4959350" y="3232150"/>
+            <a:off x="7534080" y="2314470"/>
             <a:ext cx="2273300" cy="393700"/>
           </a:xfrm>
           <a:prstGeom prst="rect">
